--- a/Doc/DCETS.pptx
+++ b/Doc/DCETS.pptx
@@ -113,7 +113,7 @@
   </p:defaultTextStyle>
   <p:extLst>
     <p:ext uri="{EFAFB233-063F-42B5-8137-9DF3F51BA10A}">
-      <p15:sldGuideLst xmlns:p15="http://schemas.microsoft.com/office/powerpoint/2012/main"/>
+      <p15:sldGuideLst xmlns:p15="http://schemas.microsoft.com/office/powerpoint/2012/main" xmlns=""/>
     </p:ext>
   </p:extLst>
 </p:presentation>
@@ -250,7 +250,7 @@
           <a:p>
             <a:fld id="{F7D45287-AAD1-40E4-8C93-46D3D31CE7FA}" type="datetimeFigureOut">
               <a:rPr lang="zh-CN" altLang="en-US" smtClean="0"/>
-              <a:t>2014/6/11</a:t>
+              <a:t>14-6-11</a:t>
             </a:fld>
             <a:endParaRPr lang="zh-CN" altLang="en-US"/>
           </a:p>
@@ -420,7 +420,7 @@
           <a:p>
             <a:fld id="{F7D45287-AAD1-40E4-8C93-46D3D31CE7FA}" type="datetimeFigureOut">
               <a:rPr lang="zh-CN" altLang="en-US" smtClean="0"/>
-              <a:t>2014/6/11</a:t>
+              <a:t>14-6-11</a:t>
             </a:fld>
             <a:endParaRPr lang="zh-CN" altLang="en-US"/>
           </a:p>
@@ -600,7 +600,7 @@
           <a:p>
             <a:fld id="{F7D45287-AAD1-40E4-8C93-46D3D31CE7FA}" type="datetimeFigureOut">
               <a:rPr lang="zh-CN" altLang="en-US" smtClean="0"/>
-              <a:t>2014/6/11</a:t>
+              <a:t>14-6-11</a:t>
             </a:fld>
             <a:endParaRPr lang="zh-CN" altLang="en-US"/>
           </a:p>
@@ -770,7 +770,7 @@
           <a:p>
             <a:fld id="{F7D45287-AAD1-40E4-8C93-46D3D31CE7FA}" type="datetimeFigureOut">
               <a:rPr lang="zh-CN" altLang="en-US" smtClean="0"/>
-              <a:t>2014/6/11</a:t>
+              <a:t>14-6-11</a:t>
             </a:fld>
             <a:endParaRPr lang="zh-CN" altLang="en-US"/>
           </a:p>
@@ -1016,7 +1016,7 @@
           <a:p>
             <a:fld id="{F7D45287-AAD1-40E4-8C93-46D3D31CE7FA}" type="datetimeFigureOut">
               <a:rPr lang="zh-CN" altLang="en-US" smtClean="0"/>
-              <a:t>2014/6/11</a:t>
+              <a:t>14-6-11</a:t>
             </a:fld>
             <a:endParaRPr lang="zh-CN" altLang="en-US"/>
           </a:p>
@@ -1248,7 +1248,7 @@
           <a:p>
             <a:fld id="{F7D45287-AAD1-40E4-8C93-46D3D31CE7FA}" type="datetimeFigureOut">
               <a:rPr lang="zh-CN" altLang="en-US" smtClean="0"/>
-              <a:t>2014/6/11</a:t>
+              <a:t>14-6-11</a:t>
             </a:fld>
             <a:endParaRPr lang="zh-CN" altLang="en-US"/>
           </a:p>
@@ -1615,7 +1615,7 @@
           <a:p>
             <a:fld id="{F7D45287-AAD1-40E4-8C93-46D3D31CE7FA}" type="datetimeFigureOut">
               <a:rPr lang="zh-CN" altLang="en-US" smtClean="0"/>
-              <a:t>2014/6/11</a:t>
+              <a:t>14-6-11</a:t>
             </a:fld>
             <a:endParaRPr lang="zh-CN" altLang="en-US"/>
           </a:p>
@@ -1733,7 +1733,7 @@
           <a:p>
             <a:fld id="{F7D45287-AAD1-40E4-8C93-46D3D31CE7FA}" type="datetimeFigureOut">
               <a:rPr lang="zh-CN" altLang="en-US" smtClean="0"/>
-              <a:t>2014/6/11</a:t>
+              <a:t>14-6-11</a:t>
             </a:fld>
             <a:endParaRPr lang="zh-CN" altLang="en-US"/>
           </a:p>
@@ -1828,7 +1828,7 @@
           <a:p>
             <a:fld id="{F7D45287-AAD1-40E4-8C93-46D3D31CE7FA}" type="datetimeFigureOut">
               <a:rPr lang="zh-CN" altLang="en-US" smtClean="0"/>
-              <a:t>2014/6/11</a:t>
+              <a:t>14-6-11</a:t>
             </a:fld>
             <a:endParaRPr lang="zh-CN" altLang="en-US"/>
           </a:p>
@@ -2105,7 +2105,7 @@
           <a:p>
             <a:fld id="{F7D45287-AAD1-40E4-8C93-46D3D31CE7FA}" type="datetimeFigureOut">
               <a:rPr lang="zh-CN" altLang="en-US" smtClean="0"/>
-              <a:t>2014/6/11</a:t>
+              <a:t>14-6-11</a:t>
             </a:fld>
             <a:endParaRPr lang="zh-CN" altLang="en-US"/>
           </a:p>
@@ -2358,7 +2358,7 @@
           <a:p>
             <a:fld id="{F7D45287-AAD1-40E4-8C93-46D3D31CE7FA}" type="datetimeFigureOut">
               <a:rPr lang="zh-CN" altLang="en-US" smtClean="0"/>
-              <a:t>2014/6/11</a:t>
+              <a:t>14-6-11</a:t>
             </a:fld>
             <a:endParaRPr lang="zh-CN" altLang="en-US"/>
           </a:p>
@@ -2571,7 +2571,7 @@
           <a:p>
             <a:fld id="{F7D45287-AAD1-40E4-8C93-46D3D31CE7FA}" type="datetimeFigureOut">
               <a:rPr lang="zh-CN" altLang="en-US" smtClean="0"/>
-              <a:t>2014/6/11</a:t>
+              <a:t>14-6-11</a:t>
             </a:fld>
             <a:endParaRPr lang="zh-CN" altLang="en-US"/>
           </a:p>
@@ -3037,7 +3037,7 @@
         <p:spPr>
           <a:xfrm>
             <a:off x="6982691" y="5162203"/>
-            <a:ext cx="3208713" cy="646331"/>
+            <a:ext cx="3208713" cy="369332"/>
           </a:xfrm>
           <a:prstGeom prst="rect">
             <a:avLst/>
@@ -3052,25 +3052,11 @@
           <a:p>
             <a:pPr algn="r"/>
             <a:r>
-              <a:rPr lang="zh-CN" altLang="en-US" dirty="0" smtClean="0">
+              <a:rPr lang="en-US" altLang="zh-CN" dirty="0" smtClean="0">
                 <a:latin typeface="微软雅黑" panose="020B0503020204020204" pitchFamily="34" charset="-122"/>
                 <a:ea typeface="微软雅黑" panose="020B0503020204020204" pitchFamily="34" charset="-122"/>
               </a:rPr>
-              <a:t>周丞</a:t>
-            </a:r>
-            <a:endParaRPr lang="en-US" altLang="zh-CN" dirty="0" smtClean="0">
-              <a:latin typeface="微软雅黑" panose="020B0503020204020204" pitchFamily="34" charset="-122"/>
-              <a:ea typeface="微软雅黑" panose="020B0503020204020204" pitchFamily="34" charset="-122"/>
-            </a:endParaRPr>
-          </a:p>
-          <a:p>
-            <a:pPr algn="r"/>
-            <a:r>
-              <a:rPr lang="zh-CN" altLang="en-US" dirty="0" smtClean="0">
-                <a:latin typeface="微软雅黑" panose="020B0503020204020204" pitchFamily="34" charset="-122"/>
-                <a:ea typeface="微软雅黑" panose="020B0503020204020204" pitchFamily="34" charset="-122"/>
-              </a:rPr>
-              <a:t>上海交通大学</a:t>
+              <a:t/>
             </a:r>
             <a:endParaRPr lang="zh-CN" altLang="en-US" dirty="0">
               <a:latin typeface="微软雅黑" panose="020B0503020204020204" pitchFamily="34" charset="-122"/>
@@ -3140,7 +3126,7 @@
           </a:prstGeom>
           <a:noFill/>
           <a:extLst>
-            <a:ext uri="{909E8E84-426E-40DD-AFC4-6F175D3DCCD1}">
+            <a:ext uri="{909E8E84-426E-40dd-AFC4-6F175D3DCCD1}">
               <a14:hiddenFill xmlns:a14="http://schemas.microsoft.com/office/drawing/2010/main">
                 <a:solidFill>
                   <a:srgbClr val="FFFFFF"/>
@@ -3150,6 +3136,376 @@
           </a:extLst>
         </p:spPr>
       </p:pic>
+      <p:graphicFrame>
+        <p:nvGraphicFramePr>
+          <p:cNvPr id="3" name="表格 2"/>
+          <p:cNvGraphicFramePr>
+            <a:graphicFrameLocks noGrp="1"/>
+          </p:cNvGraphicFramePr>
+          <p:nvPr>
+            <p:extLst>
+              <p:ext uri="{D42A27DB-BD31-4B8C-83A1-F6EECF244321}">
+                <p14:modId xmlns:p14="http://schemas.microsoft.com/office/powerpoint/2010/main" val="3398217697"/>
+              </p:ext>
+            </p:extLst>
+          </p:nvPr>
+        </p:nvGraphicFramePr>
+        <p:xfrm>
+          <a:off x="7113293" y="4425349"/>
+          <a:ext cx="3238500" cy="1892300"/>
+        </p:xfrm>
+        <a:graphic>
+          <a:graphicData uri="http://schemas.openxmlformats.org/drawingml/2006/table">
+            <a:tbl>
+              <a:tblPr/>
+              <a:tblGrid>
+                <a:gridCol w="2247900"/>
+                <a:gridCol w="990600"/>
+              </a:tblGrid>
+              <a:tr h="0">
+                <a:tc>
+                  <a:txBody>
+                    <a:bodyPr/>
+                    <a:lstStyle/>
+                    <a:p>
+                      <a:pPr algn="ctr" fontAlgn="b"/>
+                      <a:r>
+                        <a:rPr lang="en-US" altLang="zh-CN" sz="2400" b="1" i="0" u="none" strike="noStrike">
+                          <a:solidFill>
+                            <a:srgbClr val="000000"/>
+                          </a:solidFill>
+                          <a:effectLst/>
+                          <a:latin typeface="宋体"/>
+                        </a:rPr>
+                        <a:t>5110379098</a:t>
+                      </a:r>
+                    </a:p>
+                  </a:txBody>
+                  <a:tcPr marL="12700" marR="12700" marT="12700" marB="0" anchor="b">
+                    <a:lnL>
+                      <a:noFill/>
+                    </a:lnL>
+                    <a:lnR>
+                      <a:noFill/>
+                    </a:lnR>
+                    <a:lnT>
+                      <a:noFill/>
+                    </a:lnT>
+                    <a:lnB>
+                      <a:noFill/>
+                    </a:lnB>
+                  </a:tcPr>
+                </a:tc>
+                <a:tc>
+                  <a:txBody>
+                    <a:bodyPr/>
+                    <a:lstStyle/>
+                    <a:p>
+                      <a:pPr algn="ctr" fontAlgn="b"/>
+                      <a:r>
+                        <a:rPr lang="zh-CN" altLang="en-US" sz="2400" b="1" i="0" u="none" strike="noStrike">
+                          <a:solidFill>
+                            <a:srgbClr val="000000"/>
+                          </a:solidFill>
+                          <a:effectLst/>
+                          <a:latin typeface="宋体"/>
+                        </a:rPr>
+                        <a:t>毕舰水</a:t>
+                      </a:r>
+                    </a:p>
+                  </a:txBody>
+                  <a:tcPr marL="12700" marR="12700" marT="12700" marB="0" anchor="b">
+                    <a:lnL>
+                      <a:noFill/>
+                    </a:lnL>
+                    <a:lnR>
+                      <a:noFill/>
+                    </a:lnR>
+                    <a:lnT>
+                      <a:noFill/>
+                    </a:lnT>
+                    <a:lnB>
+                      <a:noFill/>
+                    </a:lnB>
+                  </a:tcPr>
+                </a:tc>
+              </a:tr>
+              <a:tr h="190500">
+                <a:tc>
+                  <a:txBody>
+                    <a:bodyPr/>
+                    <a:lstStyle/>
+                    <a:p>
+                      <a:pPr algn="ctr" fontAlgn="b"/>
+                      <a:r>
+                        <a:rPr lang="en-US" altLang="zh-CN" sz="2400" b="1" i="0" u="none" strike="noStrike">
+                          <a:solidFill>
+                            <a:srgbClr val="000000"/>
+                          </a:solidFill>
+                          <a:effectLst/>
+                          <a:latin typeface="宋体"/>
+                        </a:rPr>
+                        <a:t>5110379102</a:t>
+                      </a:r>
+                    </a:p>
+                  </a:txBody>
+                  <a:tcPr marL="12700" marR="12700" marT="12700" marB="0" anchor="b">
+                    <a:lnL>
+                      <a:noFill/>
+                    </a:lnL>
+                    <a:lnR>
+                      <a:noFill/>
+                    </a:lnR>
+                    <a:lnT>
+                      <a:noFill/>
+                    </a:lnT>
+                    <a:lnB>
+                      <a:noFill/>
+                    </a:lnB>
+                  </a:tcPr>
+                </a:tc>
+                <a:tc>
+                  <a:txBody>
+                    <a:bodyPr/>
+                    <a:lstStyle/>
+                    <a:p>
+                      <a:pPr algn="ctr" fontAlgn="b"/>
+                      <a:r>
+                        <a:rPr lang="zh-CN" altLang="en-US" sz="2400" b="1" i="0" u="none" strike="noStrike">
+                          <a:solidFill>
+                            <a:srgbClr val="000000"/>
+                          </a:solidFill>
+                          <a:effectLst/>
+                          <a:latin typeface="宋体"/>
+                        </a:rPr>
+                        <a:t>周丞</a:t>
+                      </a:r>
+                    </a:p>
+                  </a:txBody>
+                  <a:tcPr marL="12700" marR="12700" marT="12700" marB="0" anchor="b">
+                    <a:lnL>
+                      <a:noFill/>
+                    </a:lnL>
+                    <a:lnR>
+                      <a:noFill/>
+                    </a:lnR>
+                    <a:lnT>
+                      <a:noFill/>
+                    </a:lnT>
+                    <a:lnB>
+                      <a:noFill/>
+                    </a:lnB>
+                  </a:tcPr>
+                </a:tc>
+              </a:tr>
+              <a:tr h="190500">
+                <a:tc>
+                  <a:txBody>
+                    <a:bodyPr/>
+                    <a:lstStyle/>
+                    <a:p>
+                      <a:pPr algn="ctr" fontAlgn="b"/>
+                      <a:r>
+                        <a:rPr lang="en-US" altLang="zh-CN" sz="2400" b="1" i="0" u="none" strike="noStrike">
+                          <a:solidFill>
+                            <a:srgbClr val="000000"/>
+                          </a:solidFill>
+                          <a:effectLst/>
+                          <a:latin typeface="宋体"/>
+                        </a:rPr>
+                        <a:t>5110379103</a:t>
+                      </a:r>
+                    </a:p>
+                  </a:txBody>
+                  <a:tcPr marL="12700" marR="12700" marT="12700" marB="0" anchor="b">
+                    <a:lnL>
+                      <a:noFill/>
+                    </a:lnL>
+                    <a:lnR>
+                      <a:noFill/>
+                    </a:lnR>
+                    <a:lnT>
+                      <a:noFill/>
+                    </a:lnT>
+                    <a:lnB>
+                      <a:noFill/>
+                    </a:lnB>
+                  </a:tcPr>
+                </a:tc>
+                <a:tc>
+                  <a:txBody>
+                    <a:bodyPr/>
+                    <a:lstStyle/>
+                    <a:p>
+                      <a:pPr algn="ctr" fontAlgn="b"/>
+                      <a:r>
+                        <a:rPr lang="zh-CN" altLang="en-US" sz="2400" b="1" i="0" u="none" strike="noStrike">
+                          <a:solidFill>
+                            <a:srgbClr val="000000"/>
+                          </a:solidFill>
+                          <a:effectLst/>
+                          <a:latin typeface="宋体"/>
+                        </a:rPr>
+                        <a:t>苏子岳</a:t>
+                      </a:r>
+                    </a:p>
+                  </a:txBody>
+                  <a:tcPr marL="12700" marR="12700" marT="12700" marB="0" anchor="b">
+                    <a:lnL>
+                      <a:noFill/>
+                    </a:lnL>
+                    <a:lnR>
+                      <a:noFill/>
+                    </a:lnR>
+                    <a:lnT>
+                      <a:noFill/>
+                    </a:lnT>
+                    <a:lnB>
+                      <a:noFill/>
+                    </a:lnB>
+                  </a:tcPr>
+                </a:tc>
+              </a:tr>
+              <a:tr h="190500">
+                <a:tc>
+                  <a:txBody>
+                    <a:bodyPr/>
+                    <a:lstStyle/>
+                    <a:p>
+                      <a:pPr algn="ctr" fontAlgn="b"/>
+                      <a:r>
+                        <a:rPr lang="en-US" altLang="zh-CN" sz="2400" b="1" i="0" u="none" strike="noStrike">
+                          <a:solidFill>
+                            <a:srgbClr val="000000"/>
+                          </a:solidFill>
+                          <a:effectLst/>
+                          <a:latin typeface="宋体"/>
+                        </a:rPr>
+                        <a:t>5100809027</a:t>
+                      </a:r>
+                    </a:p>
+                  </a:txBody>
+                  <a:tcPr marL="12700" marR="12700" marT="12700" marB="0" anchor="b">
+                    <a:lnL>
+                      <a:noFill/>
+                    </a:lnL>
+                    <a:lnR>
+                      <a:noFill/>
+                    </a:lnR>
+                    <a:lnT>
+                      <a:noFill/>
+                    </a:lnT>
+                    <a:lnB>
+                      <a:noFill/>
+                    </a:lnB>
+                  </a:tcPr>
+                </a:tc>
+                <a:tc>
+                  <a:txBody>
+                    <a:bodyPr/>
+                    <a:lstStyle/>
+                    <a:p>
+                      <a:pPr algn="ctr" fontAlgn="b"/>
+                      <a:r>
+                        <a:rPr lang="zh-CN" altLang="en-US" sz="2400" b="1" i="0" u="none" strike="noStrike">
+                          <a:solidFill>
+                            <a:srgbClr val="000000"/>
+                          </a:solidFill>
+                          <a:effectLst/>
+                          <a:latin typeface="宋体"/>
+                        </a:rPr>
+                        <a:t>周宇翔</a:t>
+                      </a:r>
+                    </a:p>
+                  </a:txBody>
+                  <a:tcPr marL="12700" marR="12700" marT="12700" marB="0" anchor="b">
+                    <a:lnL>
+                      <a:noFill/>
+                    </a:lnL>
+                    <a:lnR>
+                      <a:noFill/>
+                    </a:lnR>
+                    <a:lnT>
+                      <a:noFill/>
+                    </a:lnT>
+                    <a:lnB>
+                      <a:noFill/>
+                    </a:lnB>
+                  </a:tcPr>
+                </a:tc>
+              </a:tr>
+              <a:tr h="190500">
+                <a:tc>
+                  <a:txBody>
+                    <a:bodyPr/>
+                    <a:lstStyle/>
+                    <a:p>
+                      <a:pPr algn="ctr" fontAlgn="b"/>
+                      <a:r>
+                        <a:rPr lang="en-US" altLang="zh-CN" sz="2400" b="1" i="0" u="none" strike="noStrike">
+                          <a:solidFill>
+                            <a:srgbClr val="000000"/>
+                          </a:solidFill>
+                          <a:effectLst/>
+                          <a:latin typeface="宋体"/>
+                        </a:rPr>
+                        <a:t>5110379084</a:t>
+                      </a:r>
+                    </a:p>
+                  </a:txBody>
+                  <a:tcPr marL="12700" marR="12700" marT="12700" marB="0" anchor="b">
+                    <a:lnL>
+                      <a:noFill/>
+                    </a:lnL>
+                    <a:lnR>
+                      <a:noFill/>
+                    </a:lnR>
+                    <a:lnT>
+                      <a:noFill/>
+                    </a:lnT>
+                    <a:lnB>
+                      <a:noFill/>
+                    </a:lnB>
+                  </a:tcPr>
+                </a:tc>
+                <a:tc>
+                  <a:txBody>
+                    <a:bodyPr/>
+                    <a:lstStyle/>
+                    <a:p>
+                      <a:pPr algn="ctr" fontAlgn="b"/>
+                      <a:r>
+                        <a:rPr lang="zh-CN" altLang="en-US" sz="2400" b="1" i="0" u="none" strike="noStrike" dirty="0">
+                          <a:solidFill>
+                            <a:srgbClr val="000000"/>
+                          </a:solidFill>
+                          <a:effectLst/>
+                          <a:latin typeface="宋体"/>
+                        </a:rPr>
+                        <a:t>刘玺炜</a:t>
+                      </a:r>
+                    </a:p>
+                  </a:txBody>
+                  <a:tcPr marL="12700" marR="12700" marT="12700" marB="0" anchor="b">
+                    <a:lnL>
+                      <a:noFill/>
+                    </a:lnL>
+                    <a:lnR>
+                      <a:noFill/>
+                    </a:lnR>
+                    <a:lnT>
+                      <a:noFill/>
+                    </a:lnT>
+                    <a:lnB>
+                      <a:noFill/>
+                    </a:lnB>
+                  </a:tcPr>
+                </a:tc>
+              </a:tr>
+            </a:tbl>
+          </a:graphicData>
+        </a:graphic>
+      </p:graphicFrame>
     </p:spTree>
     <p:extLst>
       <p:ext uri="{BB962C8B-B14F-4D97-AF65-F5344CB8AC3E}">
@@ -3163,7 +3519,7 @@
   <p:timing>
     <p:tnLst>
       <p:par>
-        <p:cTn id="1" dur="indefinite" restart="never" nodeType="tmRoot"/>
+        <p:cTn xmlns:p14="http://schemas.microsoft.com/office/powerpoint/2010/main" id="1" dur="indefinite" restart="never" nodeType="tmRoot"/>
       </p:par>
     </p:tnLst>
   </p:timing>
@@ -3187,9 +3543,39 @@
           <a:chExt cx="0" cy="0"/>
         </a:xfrm>
       </p:grpSpPr>
-      <p:sp>
-        <p:nvSpPr>
-          <p:cNvPr id="2" name="标题 1"/>
+      <p:pic>
+        <p:nvPicPr>
+          <p:cNvPr id="12" name="图片 11" descr="use-case.png"/>
+          <p:cNvPicPr>
+            <a:picLocks noChangeAspect="1"/>
+          </p:cNvPicPr>
+          <p:nvPr/>
+        </p:nvPicPr>
+        <p:blipFill>
+          <a:blip r:embed="rId2">
+            <a:extLst>
+              <a:ext uri="{28A0092B-C50C-407E-A947-70E740481C1C}">
+                <a14:useLocalDpi xmlns:a14="http://schemas.microsoft.com/office/drawing/2010/main" val="0"/>
+              </a:ext>
+            </a:extLst>
+          </a:blip>
+          <a:stretch>
+            <a:fillRect/>
+          </a:stretch>
+        </p:blipFill>
+        <p:spPr>
+          <a:xfrm>
+            <a:off x="2561522" y="1572836"/>
+            <a:ext cx="7614890" cy="4702357"/>
+          </a:xfrm>
+          <a:prstGeom prst="rect">
+            <a:avLst/>
+          </a:prstGeom>
+        </p:spPr>
+      </p:pic>
+      <p:sp>
+        <p:nvSpPr>
+          <p:cNvPr id="13" name="标题 1"/>
           <p:cNvSpPr>
             <a:spLocks noGrp="1"/>
           </p:cNvSpPr>
@@ -3212,340 +3598,14 @@
                 <a:latin typeface="微软雅黑" panose="020B0503020204020204" pitchFamily="34" charset="-122"/>
                 <a:ea typeface="微软雅黑" panose="020B0503020204020204" pitchFamily="34" charset="-122"/>
               </a:rPr>
-              <a:t>功能介绍</a:t>
-            </a:r>
-            <a:endParaRPr lang="zh-CN" altLang="en-US" dirty="0">
-              <a:latin typeface="微软雅黑" panose="020B0503020204020204" pitchFamily="34" charset="-122"/>
-              <a:ea typeface="微软雅黑" panose="020B0503020204020204" pitchFamily="34" charset="-122"/>
-            </a:endParaRPr>
-          </a:p>
-        </p:txBody>
-      </p:sp>
-      <p:sp>
-        <p:nvSpPr>
-          <p:cNvPr id="3" name="内容占位符 2"/>
-          <p:cNvSpPr>
-            <a:spLocks noGrp="1"/>
-          </p:cNvSpPr>
-          <p:nvPr>
-            <p:ph idx="1"/>
-          </p:nvPr>
-        </p:nvSpPr>
-        <p:spPr>
-          <a:xfrm>
-            <a:off x="1120832" y="1825625"/>
-            <a:ext cx="4809705" cy="4126288"/>
-          </a:xfrm>
-        </p:spPr>
-        <p:txBody>
-          <a:bodyPr/>
-          <a:lstStyle/>
-          <a:p>
-            <a:pPr marL="0" indent="0">
-              <a:buNone/>
-            </a:pPr>
-            <a:r>
-              <a:rPr lang="en-US" altLang="zh-CN" dirty="0" smtClean="0">
-                <a:latin typeface="微软雅黑" panose="020B0503020204020204" pitchFamily="34" charset="-122"/>
-                <a:ea typeface="微软雅黑" panose="020B0503020204020204" pitchFamily="34" charset="-122"/>
-              </a:rPr>
-              <a:t>Trader</a:t>
+              <a:t>系统</a:t>
             </a:r>
             <a:r>
               <a:rPr lang="zh-CN" altLang="en-US" dirty="0" smtClean="0">
                 <a:latin typeface="微软雅黑" panose="020B0503020204020204" pitchFamily="34" charset="-122"/>
                 <a:ea typeface="微软雅黑" panose="020B0503020204020204" pitchFamily="34" charset="-122"/>
               </a:rPr>
-              <a:t>端</a:t>
-            </a:r>
-            <a:endParaRPr lang="en-US" altLang="zh-CN" dirty="0" smtClean="0">
-              <a:latin typeface="微软雅黑" panose="020B0503020204020204" pitchFamily="34" charset="-122"/>
-              <a:ea typeface="微软雅黑" panose="020B0503020204020204" pitchFamily="34" charset="-122"/>
-            </a:endParaRPr>
-          </a:p>
-          <a:p>
-            <a:r>
-              <a:rPr lang="zh-CN" altLang="en-US" dirty="0" smtClean="0">
-                <a:latin typeface="微软雅黑" panose="020B0503020204020204" pitchFamily="34" charset="-122"/>
-                <a:ea typeface="微软雅黑" panose="020B0503020204020204" pitchFamily="34" charset="-122"/>
-              </a:rPr>
-              <a:t>巴拉巴拉。</a:t>
-            </a:r>
-            <a:endParaRPr lang="en-US" altLang="zh-CN" dirty="0" smtClean="0">
-              <a:latin typeface="微软雅黑" panose="020B0503020204020204" pitchFamily="34" charset="-122"/>
-              <a:ea typeface="微软雅黑" panose="020B0503020204020204" pitchFamily="34" charset="-122"/>
-            </a:endParaRPr>
-          </a:p>
-          <a:p>
-            <a:r>
-              <a:rPr lang="zh-CN" altLang="en-US" dirty="0" smtClean="0">
-                <a:latin typeface="微软雅黑" panose="020B0503020204020204" pitchFamily="34" charset="-122"/>
-                <a:ea typeface="微软雅黑" panose="020B0503020204020204" pitchFamily="34" charset="-122"/>
-              </a:rPr>
-              <a:t>哈哈哈哈。</a:t>
-            </a:r>
-            <a:endParaRPr lang="en-US" altLang="zh-CN" dirty="0" smtClean="0">
-              <a:latin typeface="微软雅黑" panose="020B0503020204020204" pitchFamily="34" charset="-122"/>
-              <a:ea typeface="微软雅黑" panose="020B0503020204020204" pitchFamily="34" charset="-122"/>
-            </a:endParaRPr>
-          </a:p>
-          <a:p>
-            <a:r>
-              <a:rPr lang="zh-CN" altLang="en-US" dirty="0" smtClean="0">
-                <a:latin typeface="微软雅黑" panose="020B0503020204020204" pitchFamily="34" charset="-122"/>
-                <a:ea typeface="微软雅黑" panose="020B0503020204020204" pitchFamily="34" charset="-122"/>
-              </a:rPr>
-              <a:t>啊啊啊啊。</a:t>
-            </a:r>
-            <a:endParaRPr lang="zh-CN" altLang="en-US" dirty="0">
-              <a:latin typeface="微软雅黑" panose="020B0503020204020204" pitchFamily="34" charset="-122"/>
-              <a:ea typeface="微软雅黑" panose="020B0503020204020204" pitchFamily="34" charset="-122"/>
-            </a:endParaRPr>
-          </a:p>
-        </p:txBody>
-      </p:sp>
-      <p:sp>
-        <p:nvSpPr>
-          <p:cNvPr id="5" name="内容占位符 2"/>
-          <p:cNvSpPr txBox="1">
-            <a:spLocks/>
-          </p:cNvSpPr>
-          <p:nvPr/>
-        </p:nvSpPr>
-        <p:spPr>
-          <a:xfrm>
-            <a:off x="6239294" y="1825625"/>
-            <a:ext cx="4809705" cy="4126288"/>
-          </a:xfrm>
-          <a:prstGeom prst="rect">
-            <a:avLst/>
-          </a:prstGeom>
-        </p:spPr>
-        <p:txBody>
-          <a:bodyPr vert="horz" lIns="91440" tIns="45720" rIns="91440" bIns="45720" rtlCol="0">
-            <a:normAutofit/>
-          </a:bodyPr>
-          <a:lstStyle>
-            <a:lvl1pPr marL="228600" indent="-228600" algn="l" defTabSz="914400" rtl="0" eaLnBrk="1" latinLnBrk="0" hangingPunct="1">
-              <a:lnSpc>
-                <a:spcPct val="90000"/>
-              </a:lnSpc>
-              <a:spcBef>
-                <a:spcPts val="1000"/>
-              </a:spcBef>
-              <a:buFont typeface="Arial" panose="020B0604020202020204" pitchFamily="34" charset="0"/>
-              <a:buChar char="•"/>
-              <a:defRPr sz="2800" kern="1200">
-                <a:solidFill>
-                  <a:schemeClr val="tx1"/>
-                </a:solidFill>
-                <a:latin typeface="+mn-lt"/>
-                <a:ea typeface="+mn-ea"/>
-                <a:cs typeface="+mn-cs"/>
-              </a:defRPr>
-            </a:lvl1pPr>
-            <a:lvl2pPr marL="685800" indent="-228600" algn="l" defTabSz="914400" rtl="0" eaLnBrk="1" latinLnBrk="0" hangingPunct="1">
-              <a:lnSpc>
-                <a:spcPct val="90000"/>
-              </a:lnSpc>
-              <a:spcBef>
-                <a:spcPts val="500"/>
-              </a:spcBef>
-              <a:buFont typeface="Arial" panose="020B0604020202020204" pitchFamily="34" charset="0"/>
-              <a:buChar char="•"/>
-              <a:defRPr sz="2400" kern="1200">
-                <a:solidFill>
-                  <a:schemeClr val="tx1"/>
-                </a:solidFill>
-                <a:latin typeface="+mn-lt"/>
-                <a:ea typeface="+mn-ea"/>
-                <a:cs typeface="+mn-cs"/>
-              </a:defRPr>
-            </a:lvl2pPr>
-            <a:lvl3pPr marL="1143000" indent="-228600" algn="l" defTabSz="914400" rtl="0" eaLnBrk="1" latinLnBrk="0" hangingPunct="1">
-              <a:lnSpc>
-                <a:spcPct val="90000"/>
-              </a:lnSpc>
-              <a:spcBef>
-                <a:spcPts val="500"/>
-              </a:spcBef>
-              <a:buFont typeface="Arial" panose="020B0604020202020204" pitchFamily="34" charset="0"/>
-              <a:buChar char="•"/>
-              <a:defRPr sz="2000" kern="1200">
-                <a:solidFill>
-                  <a:schemeClr val="tx1"/>
-                </a:solidFill>
-                <a:latin typeface="+mn-lt"/>
-                <a:ea typeface="+mn-ea"/>
-                <a:cs typeface="+mn-cs"/>
-              </a:defRPr>
-            </a:lvl3pPr>
-            <a:lvl4pPr marL="1600200" indent="-228600" algn="l" defTabSz="914400" rtl="0" eaLnBrk="1" latinLnBrk="0" hangingPunct="1">
-              <a:lnSpc>
-                <a:spcPct val="90000"/>
-              </a:lnSpc>
-              <a:spcBef>
-                <a:spcPts val="500"/>
-              </a:spcBef>
-              <a:buFont typeface="Arial" panose="020B0604020202020204" pitchFamily="34" charset="0"/>
-              <a:buChar char="•"/>
-              <a:defRPr sz="1800" kern="1200">
-                <a:solidFill>
-                  <a:schemeClr val="tx1"/>
-                </a:solidFill>
-                <a:latin typeface="+mn-lt"/>
-                <a:ea typeface="+mn-ea"/>
-                <a:cs typeface="+mn-cs"/>
-              </a:defRPr>
-            </a:lvl4pPr>
-            <a:lvl5pPr marL="2057400" indent="-228600" algn="l" defTabSz="914400" rtl="0" eaLnBrk="1" latinLnBrk="0" hangingPunct="1">
-              <a:lnSpc>
-                <a:spcPct val="90000"/>
-              </a:lnSpc>
-              <a:spcBef>
-                <a:spcPts val="500"/>
-              </a:spcBef>
-              <a:buFont typeface="Arial" panose="020B0604020202020204" pitchFamily="34" charset="0"/>
-              <a:buChar char="•"/>
-              <a:defRPr sz="1800" kern="1200">
-                <a:solidFill>
-                  <a:schemeClr val="tx1"/>
-                </a:solidFill>
-                <a:latin typeface="+mn-lt"/>
-                <a:ea typeface="+mn-ea"/>
-                <a:cs typeface="+mn-cs"/>
-              </a:defRPr>
-            </a:lvl5pPr>
-            <a:lvl6pPr marL="2514600" indent="-228600" algn="l" defTabSz="914400" rtl="0" eaLnBrk="1" latinLnBrk="0" hangingPunct="1">
-              <a:lnSpc>
-                <a:spcPct val="90000"/>
-              </a:lnSpc>
-              <a:spcBef>
-                <a:spcPts val="500"/>
-              </a:spcBef>
-              <a:buFont typeface="Arial" panose="020B0604020202020204" pitchFamily="34" charset="0"/>
-              <a:buChar char="•"/>
-              <a:defRPr sz="1800" kern="1200">
-                <a:solidFill>
-                  <a:schemeClr val="tx1"/>
-                </a:solidFill>
-                <a:latin typeface="+mn-lt"/>
-                <a:ea typeface="+mn-ea"/>
-                <a:cs typeface="+mn-cs"/>
-              </a:defRPr>
-            </a:lvl6pPr>
-            <a:lvl7pPr marL="2971800" indent="-228600" algn="l" defTabSz="914400" rtl="0" eaLnBrk="1" latinLnBrk="0" hangingPunct="1">
-              <a:lnSpc>
-                <a:spcPct val="90000"/>
-              </a:lnSpc>
-              <a:spcBef>
-                <a:spcPts val="500"/>
-              </a:spcBef>
-              <a:buFont typeface="Arial" panose="020B0604020202020204" pitchFamily="34" charset="0"/>
-              <a:buChar char="•"/>
-              <a:defRPr sz="1800" kern="1200">
-                <a:solidFill>
-                  <a:schemeClr val="tx1"/>
-                </a:solidFill>
-                <a:latin typeface="+mn-lt"/>
-                <a:ea typeface="+mn-ea"/>
-                <a:cs typeface="+mn-cs"/>
-              </a:defRPr>
-            </a:lvl7pPr>
-            <a:lvl8pPr marL="3429000" indent="-228600" algn="l" defTabSz="914400" rtl="0" eaLnBrk="1" latinLnBrk="0" hangingPunct="1">
-              <a:lnSpc>
-                <a:spcPct val="90000"/>
-              </a:lnSpc>
-              <a:spcBef>
-                <a:spcPts val="500"/>
-              </a:spcBef>
-              <a:buFont typeface="Arial" panose="020B0604020202020204" pitchFamily="34" charset="0"/>
-              <a:buChar char="•"/>
-              <a:defRPr sz="1800" kern="1200">
-                <a:solidFill>
-                  <a:schemeClr val="tx1"/>
-                </a:solidFill>
-                <a:latin typeface="+mn-lt"/>
-                <a:ea typeface="+mn-ea"/>
-                <a:cs typeface="+mn-cs"/>
-              </a:defRPr>
-            </a:lvl8pPr>
-            <a:lvl9pPr marL="3886200" indent="-228600" algn="l" defTabSz="914400" rtl="0" eaLnBrk="1" latinLnBrk="0" hangingPunct="1">
-              <a:lnSpc>
-                <a:spcPct val="90000"/>
-              </a:lnSpc>
-              <a:spcBef>
-                <a:spcPts val="500"/>
-              </a:spcBef>
-              <a:buFont typeface="Arial" panose="020B0604020202020204" pitchFamily="34" charset="0"/>
-              <a:buChar char="•"/>
-              <a:defRPr sz="1800" kern="1200">
-                <a:solidFill>
-                  <a:schemeClr val="tx1"/>
-                </a:solidFill>
-                <a:latin typeface="+mn-lt"/>
-                <a:ea typeface="+mn-ea"/>
-                <a:cs typeface="+mn-cs"/>
-              </a:defRPr>
-            </a:lvl9pPr>
-          </a:lstStyle>
-          <a:p>
-            <a:pPr marL="0" indent="0">
-              <a:buFont typeface="Arial" panose="020B0604020202020204" pitchFamily="34" charset="0"/>
-              <a:buNone/>
-            </a:pPr>
-            <a:r>
-              <a:rPr lang="en-US" altLang="zh-CN" dirty="0" smtClean="0">
-                <a:latin typeface="微软雅黑" panose="020B0503020204020204" pitchFamily="34" charset="-122"/>
-                <a:ea typeface="微软雅黑" panose="020B0503020204020204" pitchFamily="34" charset="-122"/>
-              </a:rPr>
-              <a:t>Broker </a:t>
-            </a:r>
-            <a:r>
-              <a:rPr lang="zh-CN" altLang="en-US" dirty="0" smtClean="0">
-                <a:latin typeface="微软雅黑" panose="020B0503020204020204" pitchFamily="34" charset="-122"/>
-                <a:ea typeface="微软雅黑" panose="020B0503020204020204" pitchFamily="34" charset="-122"/>
-              </a:rPr>
-              <a:t>端</a:t>
-            </a:r>
-            <a:endParaRPr lang="en-US" altLang="zh-CN" dirty="0" smtClean="0">
-              <a:latin typeface="微软雅黑" panose="020B0503020204020204" pitchFamily="34" charset="-122"/>
-              <a:ea typeface="微软雅黑" panose="020B0503020204020204" pitchFamily="34" charset="-122"/>
-            </a:endParaRPr>
-          </a:p>
-          <a:p>
-            <a:r>
-              <a:rPr lang="zh-CN" altLang="en-US" dirty="0" smtClean="0">
-                <a:latin typeface="微软雅黑" panose="020B0503020204020204" pitchFamily="34" charset="-122"/>
-                <a:ea typeface="微软雅黑" panose="020B0503020204020204" pitchFamily="34" charset="-122"/>
-              </a:rPr>
-              <a:t>巴拉巴拉。</a:t>
-            </a:r>
-            <a:endParaRPr lang="en-US" altLang="zh-CN" dirty="0" smtClean="0">
-              <a:latin typeface="微软雅黑" panose="020B0503020204020204" pitchFamily="34" charset="-122"/>
-              <a:ea typeface="微软雅黑" panose="020B0503020204020204" pitchFamily="34" charset="-122"/>
-            </a:endParaRPr>
-          </a:p>
-          <a:p>
-            <a:r>
-              <a:rPr lang="zh-CN" altLang="en-US" dirty="0" smtClean="0">
-                <a:latin typeface="微软雅黑" panose="020B0503020204020204" pitchFamily="34" charset="-122"/>
-                <a:ea typeface="微软雅黑" panose="020B0503020204020204" pitchFamily="34" charset="-122"/>
-              </a:rPr>
-              <a:t>哈哈哈哈。</a:t>
-            </a:r>
-            <a:endParaRPr lang="en-US" altLang="zh-CN" dirty="0" smtClean="0">
-              <a:latin typeface="微软雅黑" panose="020B0503020204020204" pitchFamily="34" charset="-122"/>
-              <a:ea typeface="微软雅黑" panose="020B0503020204020204" pitchFamily="34" charset="-122"/>
-            </a:endParaRPr>
-          </a:p>
-          <a:p>
-            <a:r>
-              <a:rPr lang="zh-CN" altLang="en-US" dirty="0" smtClean="0">
-                <a:latin typeface="微软雅黑" panose="020B0503020204020204" pitchFamily="34" charset="-122"/>
-                <a:ea typeface="微软雅黑" panose="020B0503020204020204" pitchFamily="34" charset="-122"/>
-              </a:rPr>
-              <a:t>啊啊啊啊。</a:t>
+              <a:t>功能</a:t>
             </a:r>
             <a:endParaRPr lang="zh-CN" altLang="en-US" dirty="0">
               <a:latin typeface="微软雅黑" panose="020B0503020204020204" pitchFamily="34" charset="-122"/>
@@ -3567,428 +3627,9 @@
   <p:timing>
     <p:tnLst>
       <p:par>
-        <p:cTn id="1" dur="indefinite" restart="never" nodeType="tmRoot">
-          <p:childTnLst>
-            <p:seq concurrent="1" nextAc="seek">
-              <p:cTn id="2" dur="indefinite" nodeType="mainSeq">
-                <p:childTnLst>
-                  <p:par>
-                    <p:cTn id="3" fill="hold">
-                      <p:stCondLst>
-                        <p:cond delay="indefinite"/>
-                      </p:stCondLst>
-                      <p:childTnLst>
-                        <p:par>
-                          <p:cTn id="4" fill="hold">
-                            <p:stCondLst>
-                              <p:cond delay="0"/>
-                            </p:stCondLst>
-                            <p:childTnLst>
-                              <p:par>
-                                <p:cTn id="5" presetID="1" presetClass="entr" presetSubtype="0" fill="hold" grpId="0" nodeType="clickEffect">
-                                  <p:stCondLst>
-                                    <p:cond delay="0"/>
-                                  </p:stCondLst>
-                                  <p:childTnLst>
-                                    <p:set>
-                                      <p:cBhvr>
-                                        <p:cTn id="6" dur="1" fill="hold">
-                                          <p:stCondLst>
-                                            <p:cond delay="0"/>
-                                          </p:stCondLst>
-                                        </p:cTn>
-                                        <p:tgtEl>
-                                          <p:spTgt spid="3">
-                                            <p:txEl>
-                                              <p:pRg st="0" end="0"/>
-                                            </p:txEl>
-                                          </p:spTgt>
-                                        </p:tgtEl>
-                                        <p:attrNameLst>
-                                          <p:attrName>style.visibility</p:attrName>
-                                        </p:attrNameLst>
-                                      </p:cBhvr>
-                                      <p:to>
-                                        <p:strVal val="visible"/>
-                                      </p:to>
-                                    </p:set>
-                                  </p:childTnLst>
-                                </p:cTn>
-                              </p:par>
-                            </p:childTnLst>
-                          </p:cTn>
-                        </p:par>
-                      </p:childTnLst>
-                    </p:cTn>
-                  </p:par>
-                  <p:par>
-                    <p:cTn id="7" fill="hold">
-                      <p:stCondLst>
-                        <p:cond delay="indefinite"/>
-                      </p:stCondLst>
-                      <p:childTnLst>
-                        <p:par>
-                          <p:cTn id="8" fill="hold">
-                            <p:stCondLst>
-                              <p:cond delay="0"/>
-                            </p:stCondLst>
-                            <p:childTnLst>
-                              <p:par>
-                                <p:cTn id="9" presetID="1" presetClass="entr" presetSubtype="0" fill="hold" grpId="0" nodeType="clickEffect">
-                                  <p:stCondLst>
-                                    <p:cond delay="0"/>
-                                  </p:stCondLst>
-                                  <p:childTnLst>
-                                    <p:set>
-                                      <p:cBhvr>
-                                        <p:cTn id="10" dur="1" fill="hold">
-                                          <p:stCondLst>
-                                            <p:cond delay="0"/>
-                                          </p:stCondLst>
-                                        </p:cTn>
-                                        <p:tgtEl>
-                                          <p:spTgt spid="3">
-                                            <p:txEl>
-                                              <p:pRg st="1" end="1"/>
-                                            </p:txEl>
-                                          </p:spTgt>
-                                        </p:tgtEl>
-                                        <p:attrNameLst>
-                                          <p:attrName>style.visibility</p:attrName>
-                                        </p:attrNameLst>
-                                      </p:cBhvr>
-                                      <p:to>
-                                        <p:strVal val="visible"/>
-                                      </p:to>
-                                    </p:set>
-                                  </p:childTnLst>
-                                </p:cTn>
-                              </p:par>
-                            </p:childTnLst>
-                          </p:cTn>
-                        </p:par>
-                      </p:childTnLst>
-                    </p:cTn>
-                  </p:par>
-                  <p:par>
-                    <p:cTn id="11" fill="hold">
-                      <p:stCondLst>
-                        <p:cond delay="indefinite"/>
-                      </p:stCondLst>
-                      <p:childTnLst>
-                        <p:par>
-                          <p:cTn id="12" fill="hold">
-                            <p:stCondLst>
-                              <p:cond delay="0"/>
-                            </p:stCondLst>
-                            <p:childTnLst>
-                              <p:par>
-                                <p:cTn id="13" presetID="1" presetClass="entr" presetSubtype="0" fill="hold" grpId="0" nodeType="clickEffect">
-                                  <p:stCondLst>
-                                    <p:cond delay="0"/>
-                                  </p:stCondLst>
-                                  <p:childTnLst>
-                                    <p:set>
-                                      <p:cBhvr>
-                                        <p:cTn id="14" dur="1" fill="hold">
-                                          <p:stCondLst>
-                                            <p:cond delay="0"/>
-                                          </p:stCondLst>
-                                        </p:cTn>
-                                        <p:tgtEl>
-                                          <p:spTgt spid="3">
-                                            <p:txEl>
-                                              <p:pRg st="2" end="2"/>
-                                            </p:txEl>
-                                          </p:spTgt>
-                                        </p:tgtEl>
-                                        <p:attrNameLst>
-                                          <p:attrName>style.visibility</p:attrName>
-                                        </p:attrNameLst>
-                                      </p:cBhvr>
-                                      <p:to>
-                                        <p:strVal val="visible"/>
-                                      </p:to>
-                                    </p:set>
-                                  </p:childTnLst>
-                                </p:cTn>
-                              </p:par>
-                            </p:childTnLst>
-                          </p:cTn>
-                        </p:par>
-                      </p:childTnLst>
-                    </p:cTn>
-                  </p:par>
-                  <p:par>
-                    <p:cTn id="15" fill="hold">
-                      <p:stCondLst>
-                        <p:cond delay="indefinite"/>
-                      </p:stCondLst>
-                      <p:childTnLst>
-                        <p:par>
-                          <p:cTn id="16" fill="hold">
-                            <p:stCondLst>
-                              <p:cond delay="0"/>
-                            </p:stCondLst>
-                            <p:childTnLst>
-                              <p:par>
-                                <p:cTn id="17" presetID="1" presetClass="entr" presetSubtype="0" fill="hold" grpId="0" nodeType="clickEffect">
-                                  <p:stCondLst>
-                                    <p:cond delay="0"/>
-                                  </p:stCondLst>
-                                  <p:childTnLst>
-                                    <p:set>
-                                      <p:cBhvr>
-                                        <p:cTn id="18" dur="1" fill="hold">
-                                          <p:stCondLst>
-                                            <p:cond delay="0"/>
-                                          </p:stCondLst>
-                                        </p:cTn>
-                                        <p:tgtEl>
-                                          <p:spTgt spid="3">
-                                            <p:txEl>
-                                              <p:pRg st="3" end="3"/>
-                                            </p:txEl>
-                                          </p:spTgt>
-                                        </p:tgtEl>
-                                        <p:attrNameLst>
-                                          <p:attrName>style.visibility</p:attrName>
-                                        </p:attrNameLst>
-                                      </p:cBhvr>
-                                      <p:to>
-                                        <p:strVal val="visible"/>
-                                      </p:to>
-                                    </p:set>
-                                  </p:childTnLst>
-                                </p:cTn>
-                              </p:par>
-                            </p:childTnLst>
-                          </p:cTn>
-                        </p:par>
-                      </p:childTnLst>
-                    </p:cTn>
-                  </p:par>
-                  <p:par>
-                    <p:cTn id="19" fill="hold">
-                      <p:stCondLst>
-                        <p:cond delay="indefinite"/>
-                      </p:stCondLst>
-                      <p:childTnLst>
-                        <p:par>
-                          <p:cTn id="20" fill="hold">
-                            <p:stCondLst>
-                              <p:cond delay="0"/>
-                            </p:stCondLst>
-                            <p:childTnLst>
-                              <p:par>
-                                <p:cTn id="21" presetID="1" presetClass="entr" presetSubtype="0" fill="hold" grpId="0" nodeType="clickEffect">
-                                  <p:stCondLst>
-                                    <p:cond delay="0"/>
-                                  </p:stCondLst>
-                                  <p:childTnLst>
-                                    <p:set>
-                                      <p:cBhvr>
-                                        <p:cTn id="22" dur="1" fill="hold">
-                                          <p:stCondLst>
-                                            <p:cond delay="0"/>
-                                          </p:stCondLst>
-                                        </p:cTn>
-                                        <p:tgtEl>
-                                          <p:spTgt spid="5">
-                                            <p:txEl>
-                                              <p:pRg st="0" end="0"/>
-                                            </p:txEl>
-                                          </p:spTgt>
-                                        </p:tgtEl>
-                                        <p:attrNameLst>
-                                          <p:attrName>style.visibility</p:attrName>
-                                        </p:attrNameLst>
-                                      </p:cBhvr>
-                                      <p:to>
-                                        <p:strVal val="visible"/>
-                                      </p:to>
-                                    </p:set>
-                                  </p:childTnLst>
-                                </p:cTn>
-                              </p:par>
-                            </p:childTnLst>
-                          </p:cTn>
-                        </p:par>
-                      </p:childTnLst>
-                    </p:cTn>
-                  </p:par>
-                  <p:par>
-                    <p:cTn id="23" fill="hold">
-                      <p:stCondLst>
-                        <p:cond delay="indefinite"/>
-                      </p:stCondLst>
-                      <p:childTnLst>
-                        <p:par>
-                          <p:cTn id="24" fill="hold">
-                            <p:stCondLst>
-                              <p:cond delay="0"/>
-                            </p:stCondLst>
-                            <p:childTnLst>
-                              <p:par>
-                                <p:cTn id="25" presetID="1" presetClass="entr" presetSubtype="0" fill="hold" grpId="0" nodeType="clickEffect">
-                                  <p:stCondLst>
-                                    <p:cond delay="0"/>
-                                  </p:stCondLst>
-                                  <p:childTnLst>
-                                    <p:set>
-                                      <p:cBhvr>
-                                        <p:cTn id="26" dur="1" fill="hold">
-                                          <p:stCondLst>
-                                            <p:cond delay="0"/>
-                                          </p:stCondLst>
-                                        </p:cTn>
-                                        <p:tgtEl>
-                                          <p:spTgt spid="5">
-                                            <p:txEl>
-                                              <p:pRg st="1" end="1"/>
-                                            </p:txEl>
-                                          </p:spTgt>
-                                        </p:tgtEl>
-                                        <p:attrNameLst>
-                                          <p:attrName>style.visibility</p:attrName>
-                                        </p:attrNameLst>
-                                      </p:cBhvr>
-                                      <p:to>
-                                        <p:strVal val="visible"/>
-                                      </p:to>
-                                    </p:set>
-                                  </p:childTnLst>
-                                </p:cTn>
-                              </p:par>
-                            </p:childTnLst>
-                          </p:cTn>
-                        </p:par>
-                      </p:childTnLst>
-                    </p:cTn>
-                  </p:par>
-                  <p:par>
-                    <p:cTn id="27" fill="hold">
-                      <p:stCondLst>
-                        <p:cond delay="indefinite"/>
-                      </p:stCondLst>
-                      <p:childTnLst>
-                        <p:par>
-                          <p:cTn id="28" fill="hold">
-                            <p:stCondLst>
-                              <p:cond delay="0"/>
-                            </p:stCondLst>
-                            <p:childTnLst>
-                              <p:par>
-                                <p:cTn id="29" presetID="1" presetClass="entr" presetSubtype="0" fill="hold" grpId="0" nodeType="clickEffect">
-                                  <p:stCondLst>
-                                    <p:cond delay="0"/>
-                                  </p:stCondLst>
-                                  <p:childTnLst>
-                                    <p:set>
-                                      <p:cBhvr>
-                                        <p:cTn id="30" dur="1" fill="hold">
-                                          <p:stCondLst>
-                                            <p:cond delay="0"/>
-                                          </p:stCondLst>
-                                        </p:cTn>
-                                        <p:tgtEl>
-                                          <p:spTgt spid="5">
-                                            <p:txEl>
-                                              <p:pRg st="2" end="2"/>
-                                            </p:txEl>
-                                          </p:spTgt>
-                                        </p:tgtEl>
-                                        <p:attrNameLst>
-                                          <p:attrName>style.visibility</p:attrName>
-                                        </p:attrNameLst>
-                                      </p:cBhvr>
-                                      <p:to>
-                                        <p:strVal val="visible"/>
-                                      </p:to>
-                                    </p:set>
-                                  </p:childTnLst>
-                                </p:cTn>
-                              </p:par>
-                            </p:childTnLst>
-                          </p:cTn>
-                        </p:par>
-                      </p:childTnLst>
-                    </p:cTn>
-                  </p:par>
-                  <p:par>
-                    <p:cTn id="31" fill="hold">
-                      <p:stCondLst>
-                        <p:cond delay="indefinite"/>
-                      </p:stCondLst>
-                      <p:childTnLst>
-                        <p:par>
-                          <p:cTn id="32" fill="hold">
-                            <p:stCondLst>
-                              <p:cond delay="0"/>
-                            </p:stCondLst>
-                            <p:childTnLst>
-                              <p:par>
-                                <p:cTn id="33" presetID="1" presetClass="entr" presetSubtype="0" fill="hold" grpId="0" nodeType="clickEffect">
-                                  <p:stCondLst>
-                                    <p:cond delay="0"/>
-                                  </p:stCondLst>
-                                  <p:childTnLst>
-                                    <p:set>
-                                      <p:cBhvr>
-                                        <p:cTn id="34" dur="1" fill="hold">
-                                          <p:stCondLst>
-                                            <p:cond delay="0"/>
-                                          </p:stCondLst>
-                                        </p:cTn>
-                                        <p:tgtEl>
-                                          <p:spTgt spid="5">
-                                            <p:txEl>
-                                              <p:pRg st="3" end="3"/>
-                                            </p:txEl>
-                                          </p:spTgt>
-                                        </p:tgtEl>
-                                        <p:attrNameLst>
-                                          <p:attrName>style.visibility</p:attrName>
-                                        </p:attrNameLst>
-                                      </p:cBhvr>
-                                      <p:to>
-                                        <p:strVal val="visible"/>
-                                      </p:to>
-                                    </p:set>
-                                  </p:childTnLst>
-                                </p:cTn>
-                              </p:par>
-                            </p:childTnLst>
-                          </p:cTn>
-                        </p:par>
-                      </p:childTnLst>
-                    </p:cTn>
-                  </p:par>
-                </p:childTnLst>
-              </p:cTn>
-              <p:prevCondLst>
-                <p:cond evt="onPrev" delay="0">
-                  <p:tgtEl>
-                    <p:sldTgt/>
-                  </p:tgtEl>
-                </p:cond>
-              </p:prevCondLst>
-              <p:nextCondLst>
-                <p:cond evt="onNext" delay="0">
-                  <p:tgtEl>
-                    <p:sldTgt/>
-                  </p:tgtEl>
-                </p:cond>
-              </p:nextCondLst>
-            </p:seq>
-          </p:childTnLst>
-        </p:cTn>
+        <p:cTn xmlns:p14="http://schemas.microsoft.com/office/powerpoint/2010/main" id="1" dur="indefinite" restart="never" nodeType="tmRoot"/>
       </p:par>
     </p:tnLst>
-    <p:bldLst>
-      <p:bldP spid="3" grpId="0" uiExpand="1" build="p"/>
-      <p:bldP spid="5" grpId="0" build="p"/>
-    </p:bldLst>
   </p:timing>
 </p:sld>
 </file>
@@ -4037,10 +3678,6 @@
               </a:rPr>
               <a:t>系统架构</a:t>
             </a:r>
-            <a:endParaRPr lang="zh-CN" altLang="en-US" dirty="0">
-              <a:latin typeface="微软雅黑" panose="020B0503020204020204" pitchFamily="34" charset="-122"/>
-              <a:ea typeface="微软雅黑" panose="020B0503020204020204" pitchFamily="34" charset="-122"/>
-            </a:endParaRPr>
           </a:p>
         </p:txBody>
       </p:sp>
@@ -4087,7 +3724,7 @@
   <p:timing>
     <p:tnLst>
       <p:par>
-        <p:cTn id="1" dur="indefinite" restart="never" nodeType="tmRoot"/>
+        <p:cTn xmlns:p14="http://schemas.microsoft.com/office/powerpoint/2010/main" id="1" dur="indefinite" restart="never" nodeType="tmRoot"/>
       </p:par>
     </p:tnLst>
   </p:timing>
@@ -4138,10 +3775,6 @@
               </a:rPr>
               <a:t>业务流程</a:t>
             </a:r>
-            <a:endParaRPr lang="zh-CN" altLang="en-US" dirty="0">
-              <a:latin typeface="微软雅黑" panose="020B0503020204020204" pitchFamily="34" charset="-122"/>
-              <a:ea typeface="微软雅黑" panose="020B0503020204020204" pitchFamily="34" charset="-122"/>
-            </a:endParaRPr>
           </a:p>
         </p:txBody>
       </p:sp>
@@ -4222,7 +3855,7 @@
   <p:timing>
     <p:tnLst>
       <p:par>
-        <p:cTn id="1" dur="indefinite" restart="never" nodeType="tmRoot"/>
+        <p:cTn xmlns:p14="http://schemas.microsoft.com/office/powerpoint/2010/main" id="1" dur="indefinite" restart="never" nodeType="tmRoot"/>
       </p:par>
     </p:tnLst>
   </p:timing>
@@ -4273,10 +3906,6 @@
               </a:rPr>
               <a:t>业务流程</a:t>
             </a:r>
-            <a:endParaRPr lang="zh-CN" altLang="en-US" dirty="0">
-              <a:latin typeface="微软雅黑" panose="020B0503020204020204" pitchFamily="34" charset="-122"/>
-              <a:ea typeface="微软雅黑" panose="020B0503020204020204" pitchFamily="34" charset="-122"/>
-            </a:endParaRPr>
           </a:p>
         </p:txBody>
       </p:sp>
@@ -4361,7 +3990,7 @@
   <p:timing>
     <p:tnLst>
       <p:par>
-        <p:cTn id="1" dur="indefinite" restart="never" nodeType="tmRoot"/>
+        <p:cTn xmlns:p14="http://schemas.microsoft.com/office/powerpoint/2010/main" id="1" dur="indefinite" restart="never" nodeType="tmRoot"/>
       </p:par>
     </p:tnLst>
   </p:timing>
@@ -4406,14 +4035,14 @@
             <a:noFill/>
           </a:ln>
           <a:extLst>
-            <a:ext uri="{909E8E84-426E-40DD-AFC4-6F175D3DCCD1}">
+            <a:ext uri="{909E8E84-426E-40dd-AFC4-6F175D3DCCD1}">
               <a14:hiddenFill xmlns:a14="http://schemas.microsoft.com/office/drawing/2010/main">
                 <a:solidFill>
                   <a:srgbClr val="FFFFFF"/>
                 </a:solidFill>
               </a14:hiddenFill>
             </a:ext>
-            <a:ext uri="{91240B29-F687-4F45-9708-019B960494DF}">
+            <a:ext uri="{91240B29-F687-4f45-9708-019B960494DF}">
               <a14:hiddenLine xmlns:a14="http://schemas.microsoft.com/office/drawing/2010/main" w="9525">
                 <a:solidFill>
                   <a:srgbClr val="000000"/>
@@ -4467,7 +4096,7 @@
   <p:timing>
     <p:tnLst>
       <p:par>
-        <p:cTn id="1" dur="indefinite" restart="never" nodeType="tmRoot"/>
+        <p:cTn xmlns:p14="http://schemas.microsoft.com/office/powerpoint/2010/main" id="1" dur="indefinite" restart="never" nodeType="tmRoot"/>
       </p:par>
     </p:tnLst>
   </p:timing>
@@ -4512,14 +4141,14 @@
             <a:noFill/>
           </a:ln>
           <a:extLst>
-            <a:ext uri="{909E8E84-426E-40DD-AFC4-6F175D3DCCD1}">
+            <a:ext uri="{909E8E84-426E-40dd-AFC4-6F175D3DCCD1}">
               <a14:hiddenFill xmlns:a14="http://schemas.microsoft.com/office/drawing/2010/main">
                 <a:solidFill>
                   <a:srgbClr val="FFFFFF"/>
                 </a:solidFill>
               </a14:hiddenFill>
             </a:ext>
-            <a:ext uri="{91240B29-F687-4F45-9708-019B960494DF}">
+            <a:ext uri="{91240B29-F687-4f45-9708-019B960494DF}">
               <a14:hiddenLine xmlns:a14="http://schemas.microsoft.com/office/drawing/2010/main" w="9525">
                 <a:solidFill>
                   <a:srgbClr val="000000"/>
@@ -4565,7 +4194,7 @@
   <p:timing>
     <p:tnLst>
       <p:par>
-        <p:cTn id="1" dur="indefinite" restart="never" nodeType="tmRoot"/>
+        <p:cTn xmlns:p14="http://schemas.microsoft.com/office/powerpoint/2010/main" id="1" dur="indefinite" restart="never" nodeType="tmRoot"/>
       </p:par>
     </p:tnLst>
   </p:timing>
@@ -4610,14 +4239,14 @@
             <a:noFill/>
           </a:ln>
           <a:extLst>
-            <a:ext uri="{909E8E84-426E-40DD-AFC4-6F175D3DCCD1}">
+            <a:ext uri="{909E8E84-426E-40dd-AFC4-6F175D3DCCD1}">
               <a14:hiddenFill xmlns:a14="http://schemas.microsoft.com/office/drawing/2010/main">
                 <a:solidFill>
                   <a:srgbClr val="FFFFFF"/>
                 </a:solidFill>
               </a14:hiddenFill>
             </a:ext>
-            <a:ext uri="{91240B29-F687-4F45-9708-019B960494DF}">
+            <a:ext uri="{91240B29-F687-4f45-9708-019B960494DF}">
               <a14:hiddenLine xmlns:a14="http://schemas.microsoft.com/office/drawing/2010/main" w="9525">
                 <a:solidFill>
                   <a:srgbClr val="000000"/>
@@ -4671,7 +4300,7 @@
   <p:timing>
     <p:tnLst>
       <p:par>
-        <p:cTn id="1" dur="indefinite" restart="never" nodeType="tmRoot"/>
+        <p:cTn xmlns:p14="http://schemas.microsoft.com/office/powerpoint/2010/main" id="1" dur="indefinite" restart="never" nodeType="tmRoot"/>
       </p:par>
     </p:tnLst>
   </p:timing>
@@ -4721,7 +4350,7 @@
     </a:clrScheme>
     <a:fontScheme name="Arial Black-Arial">
       <a:majorFont>
-        <a:latin typeface="Arial Black" panose="020B0A04020102020204"/>
+        <a:latin typeface="Arial Black"/>
         <a:ea typeface=""/>
         <a:cs typeface=""/>
         <a:font script="Jpan" typeface="ＭＳ ゴシック"/>
@@ -4756,7 +4385,7 @@
         <a:font script="Geor" typeface="Sylfaen"/>
       </a:majorFont>
       <a:minorFont>
-        <a:latin typeface="Arial" panose="020B0604020202020204"/>
+        <a:latin typeface="Arial"/>
         <a:ea typeface=""/>
         <a:cs typeface=""/>
         <a:font script="Jpan" typeface="ＭＳ Ｐゴシック"/>
@@ -4933,7 +4562,7 @@
   <a:extraClrSchemeLst/>
   <a:extLst>
     <a:ext uri="{05A4C25C-085E-4340-85A3-A5531E510DB2}">
-      <thm15:themeFamily xmlns:thm15="http://schemas.microsoft.com/office/thememl/2012/main" name="Office Theme" id="{62F939B6-93AF-4DB8-9C6B-D6C7DFDC589F}" vid="{4A3C46E8-61CC-4603-A589-7422A47A8E4A}"/>
+      <thm15:themeFamily xmlns:thm15="http://schemas.microsoft.com/office/thememl/2012/main" xmlns="" name="Office Theme" id="{62F939B6-93AF-4DB8-9C6B-D6C7DFDC589F}" vid="{4A3C46E8-61CC-4603-A589-7422A47A8E4A}"/>
     </a:ext>
   </a:extLst>
 </a:theme>

--- a/Doc/DCETS.pptx
+++ b/Doc/DCETS.pptx
@@ -113,7 +113,18 @@
   </p:defaultTextStyle>
   <p:extLst>
     <p:ext uri="{EFAFB233-063F-42B5-8137-9DF3F51BA10A}">
-      <p15:sldGuideLst xmlns:p15="http://schemas.microsoft.com/office/powerpoint/2012/main" xmlns=""/>
+      <p15:sldGuideLst xmlns:p15="http://schemas.microsoft.com/office/powerpoint/2012/main">
+        <p15:guide id="1" orient="horz" pos="2160">
+          <p15:clr>
+            <a:srgbClr val="A4A3A4"/>
+          </p15:clr>
+        </p15:guide>
+        <p15:guide id="2" pos="3840">
+          <p15:clr>
+            <a:srgbClr val="A4A3A4"/>
+          </p15:clr>
+        </p15:guide>
+      </p15:sldGuideLst>
     </p:ext>
   </p:extLst>
 </p:presentation>
@@ -250,7 +261,7 @@
           <a:p>
             <a:fld id="{F7D45287-AAD1-40E4-8C93-46D3D31CE7FA}" type="datetimeFigureOut">
               <a:rPr lang="zh-CN" altLang="en-US" smtClean="0"/>
-              <a:t>14-6-11</a:t>
+              <a:t>2014/6/11</a:t>
             </a:fld>
             <a:endParaRPr lang="zh-CN" altLang="en-US"/>
           </a:p>
@@ -420,7 +431,7 @@
           <a:p>
             <a:fld id="{F7D45287-AAD1-40E4-8C93-46D3D31CE7FA}" type="datetimeFigureOut">
               <a:rPr lang="zh-CN" altLang="en-US" smtClean="0"/>
-              <a:t>14-6-11</a:t>
+              <a:t>2014/6/11</a:t>
             </a:fld>
             <a:endParaRPr lang="zh-CN" altLang="en-US"/>
           </a:p>
@@ -600,7 +611,7 @@
           <a:p>
             <a:fld id="{F7D45287-AAD1-40E4-8C93-46D3D31CE7FA}" type="datetimeFigureOut">
               <a:rPr lang="zh-CN" altLang="en-US" smtClean="0"/>
-              <a:t>14-6-11</a:t>
+              <a:t>2014/6/11</a:t>
             </a:fld>
             <a:endParaRPr lang="zh-CN" altLang="en-US"/>
           </a:p>
@@ -770,7 +781,7 @@
           <a:p>
             <a:fld id="{F7D45287-AAD1-40E4-8C93-46D3D31CE7FA}" type="datetimeFigureOut">
               <a:rPr lang="zh-CN" altLang="en-US" smtClean="0"/>
-              <a:t>14-6-11</a:t>
+              <a:t>2014/6/11</a:t>
             </a:fld>
             <a:endParaRPr lang="zh-CN" altLang="en-US"/>
           </a:p>
@@ -1016,7 +1027,7 @@
           <a:p>
             <a:fld id="{F7D45287-AAD1-40E4-8C93-46D3D31CE7FA}" type="datetimeFigureOut">
               <a:rPr lang="zh-CN" altLang="en-US" smtClean="0"/>
-              <a:t>14-6-11</a:t>
+              <a:t>2014/6/11</a:t>
             </a:fld>
             <a:endParaRPr lang="zh-CN" altLang="en-US"/>
           </a:p>
@@ -1248,7 +1259,7 @@
           <a:p>
             <a:fld id="{F7D45287-AAD1-40E4-8C93-46D3D31CE7FA}" type="datetimeFigureOut">
               <a:rPr lang="zh-CN" altLang="en-US" smtClean="0"/>
-              <a:t>14-6-11</a:t>
+              <a:t>2014/6/11</a:t>
             </a:fld>
             <a:endParaRPr lang="zh-CN" altLang="en-US"/>
           </a:p>
@@ -1615,7 +1626,7 @@
           <a:p>
             <a:fld id="{F7D45287-AAD1-40E4-8C93-46D3D31CE7FA}" type="datetimeFigureOut">
               <a:rPr lang="zh-CN" altLang="en-US" smtClean="0"/>
-              <a:t>14-6-11</a:t>
+              <a:t>2014/6/11</a:t>
             </a:fld>
             <a:endParaRPr lang="zh-CN" altLang="en-US"/>
           </a:p>
@@ -1733,7 +1744,7 @@
           <a:p>
             <a:fld id="{F7D45287-AAD1-40E4-8C93-46D3D31CE7FA}" type="datetimeFigureOut">
               <a:rPr lang="zh-CN" altLang="en-US" smtClean="0"/>
-              <a:t>14-6-11</a:t>
+              <a:t>2014/6/11</a:t>
             </a:fld>
             <a:endParaRPr lang="zh-CN" altLang="en-US"/>
           </a:p>
@@ -1828,7 +1839,7 @@
           <a:p>
             <a:fld id="{F7D45287-AAD1-40E4-8C93-46D3D31CE7FA}" type="datetimeFigureOut">
               <a:rPr lang="zh-CN" altLang="en-US" smtClean="0"/>
-              <a:t>14-6-11</a:t>
+              <a:t>2014/6/11</a:t>
             </a:fld>
             <a:endParaRPr lang="zh-CN" altLang="en-US"/>
           </a:p>
@@ -2105,7 +2116,7 @@
           <a:p>
             <a:fld id="{F7D45287-AAD1-40E4-8C93-46D3D31CE7FA}" type="datetimeFigureOut">
               <a:rPr lang="zh-CN" altLang="en-US" smtClean="0"/>
-              <a:t>14-6-11</a:t>
+              <a:t>2014/6/11</a:t>
             </a:fld>
             <a:endParaRPr lang="zh-CN" altLang="en-US"/>
           </a:p>
@@ -2358,7 +2369,7 @@
           <a:p>
             <a:fld id="{F7D45287-AAD1-40E4-8C93-46D3D31CE7FA}" type="datetimeFigureOut">
               <a:rPr lang="zh-CN" altLang="en-US" smtClean="0"/>
-              <a:t>14-6-11</a:t>
+              <a:t>2014/6/11</a:t>
             </a:fld>
             <a:endParaRPr lang="zh-CN" altLang="en-US"/>
           </a:p>
@@ -2571,7 +2582,7 @@
           <a:p>
             <a:fld id="{F7D45287-AAD1-40E4-8C93-46D3D31CE7FA}" type="datetimeFigureOut">
               <a:rPr lang="zh-CN" altLang="en-US" smtClean="0"/>
-              <a:t>14-6-11</a:t>
+              <a:t>2014/6/11</a:t>
             </a:fld>
             <a:endParaRPr lang="zh-CN" altLang="en-US"/>
           </a:p>
@@ -3051,13 +3062,6 @@
           <a:lstStyle/>
           <a:p>
             <a:pPr algn="r"/>
-            <a:r>
-              <a:rPr lang="en-US" altLang="zh-CN" dirty="0" smtClean="0">
-                <a:latin typeface="微软雅黑" panose="020B0503020204020204" pitchFamily="34" charset="-122"/>
-                <a:ea typeface="微软雅黑" panose="020B0503020204020204" pitchFamily="34" charset="-122"/>
-              </a:rPr>
-              <a:t/>
-            </a:r>
             <a:endParaRPr lang="zh-CN" altLang="en-US" dirty="0">
               <a:latin typeface="微软雅黑" panose="020B0503020204020204" pitchFamily="34" charset="-122"/>
               <a:ea typeface="微软雅黑" panose="020B0503020204020204" pitchFamily="34" charset="-122"/>
@@ -3127,7 +3131,7 @@
           <a:noFill/>
           <a:extLst>
             <a:ext uri="{909E8E84-426E-40dd-AFC4-6F175D3DCCD1}">
-              <a14:hiddenFill xmlns:a14="http://schemas.microsoft.com/office/drawing/2010/main">
+              <a14:hiddenFill xmlns:a14="http://schemas.microsoft.com/office/drawing/2010/main" xmlns="">
                 <a:solidFill>
                   <a:srgbClr val="FFFFFF"/>
                 </a:solidFill>
@@ -3145,7 +3149,7 @@
           <p:nvPr>
             <p:extLst>
               <p:ext uri="{D42A27DB-BD31-4B8C-83A1-F6EECF244321}">
-                <p14:modId xmlns:p14="http://schemas.microsoft.com/office/powerpoint/2010/main" val="3398217697"/>
+                <p14:modId xmlns:p14="http://schemas.microsoft.com/office/powerpoint/2010/main" val="2549675375"/>
               </p:ext>
             </p:extLst>
           </p:nvPr>
@@ -3170,12 +3174,13 @@
                     <a:p>
                       <a:pPr algn="ctr" fontAlgn="b"/>
                       <a:r>
-                        <a:rPr lang="en-US" altLang="zh-CN" sz="2400" b="1" i="0" u="none" strike="noStrike">
+                        <a:rPr lang="en-US" altLang="zh-CN" sz="2400" b="1" i="0" u="none" strike="noStrike" dirty="0">
                           <a:solidFill>
                             <a:srgbClr val="000000"/>
                           </a:solidFill>
                           <a:effectLst/>
-                          <a:latin typeface="宋体"/>
+                          <a:latin typeface="+mj-ea"/>
+                          <a:ea typeface="+mj-ea"/>
                         </a:rPr>
                         <a:t>5110379098</a:t>
                       </a:r>
@@ -3208,7 +3213,8 @@
                             <a:srgbClr val="000000"/>
                           </a:solidFill>
                           <a:effectLst/>
-                          <a:latin typeface="宋体"/>
+                          <a:latin typeface="+mj-ea"/>
+                          <a:ea typeface="+mj-ea"/>
                         </a:rPr>
                         <a:t>毕舰水</a:t>
                       </a:r>
@@ -3238,12 +3244,13 @@
                     <a:p>
                       <a:pPr algn="ctr" fontAlgn="b"/>
                       <a:r>
-                        <a:rPr lang="en-US" altLang="zh-CN" sz="2400" b="1" i="0" u="none" strike="noStrike">
+                        <a:rPr lang="en-US" altLang="zh-CN" sz="2400" b="1" i="0" u="none" strike="noStrike" dirty="0">
                           <a:solidFill>
                             <a:srgbClr val="000000"/>
                           </a:solidFill>
                           <a:effectLst/>
-                          <a:latin typeface="宋体"/>
+                          <a:latin typeface="+mj-ea"/>
+                          <a:ea typeface="+mj-ea"/>
                         </a:rPr>
                         <a:t>5110379102</a:t>
                       </a:r>
@@ -3276,7 +3283,8 @@
                             <a:srgbClr val="000000"/>
                           </a:solidFill>
                           <a:effectLst/>
-                          <a:latin typeface="宋体"/>
+                          <a:latin typeface="+mj-ea"/>
+                          <a:ea typeface="+mj-ea"/>
                         </a:rPr>
                         <a:t>周丞</a:t>
                       </a:r>
@@ -3306,12 +3314,13 @@
                     <a:p>
                       <a:pPr algn="ctr" fontAlgn="b"/>
                       <a:r>
-                        <a:rPr lang="en-US" altLang="zh-CN" sz="2400" b="1" i="0" u="none" strike="noStrike">
+                        <a:rPr lang="en-US" altLang="zh-CN" sz="2400" b="1" i="0" u="none" strike="noStrike" dirty="0">
                           <a:solidFill>
                             <a:srgbClr val="000000"/>
                           </a:solidFill>
                           <a:effectLst/>
-                          <a:latin typeface="宋体"/>
+                          <a:latin typeface="+mj-ea"/>
+                          <a:ea typeface="+mj-ea"/>
                         </a:rPr>
                         <a:t>5110379103</a:t>
                       </a:r>
@@ -3344,7 +3353,8 @@
                             <a:srgbClr val="000000"/>
                           </a:solidFill>
                           <a:effectLst/>
-                          <a:latin typeface="宋体"/>
+                          <a:latin typeface="+mj-ea"/>
+                          <a:ea typeface="+mj-ea"/>
                         </a:rPr>
                         <a:t>苏子岳</a:t>
                       </a:r>
@@ -3374,12 +3384,13 @@
                     <a:p>
                       <a:pPr algn="ctr" fontAlgn="b"/>
                       <a:r>
-                        <a:rPr lang="en-US" altLang="zh-CN" sz="2400" b="1" i="0" u="none" strike="noStrike">
+                        <a:rPr lang="en-US" altLang="zh-CN" sz="2400" b="1" i="0" u="none" strike="noStrike" dirty="0">
                           <a:solidFill>
                             <a:srgbClr val="000000"/>
                           </a:solidFill>
                           <a:effectLst/>
-                          <a:latin typeface="宋体"/>
+                          <a:latin typeface="+mj-ea"/>
+                          <a:ea typeface="+mj-ea"/>
                         </a:rPr>
                         <a:t>5100809027</a:t>
                       </a:r>
@@ -3407,12 +3418,13 @@
                     <a:p>
                       <a:pPr algn="ctr" fontAlgn="b"/>
                       <a:r>
-                        <a:rPr lang="zh-CN" altLang="en-US" sz="2400" b="1" i="0" u="none" strike="noStrike">
+                        <a:rPr lang="zh-CN" altLang="en-US" sz="2400" b="1" i="0" u="none" strike="noStrike" dirty="0">
                           <a:solidFill>
                             <a:srgbClr val="000000"/>
                           </a:solidFill>
                           <a:effectLst/>
-                          <a:latin typeface="宋体"/>
+                          <a:latin typeface="+mj-ea"/>
+                          <a:ea typeface="+mj-ea"/>
                         </a:rPr>
                         <a:t>周宇翔</a:t>
                       </a:r>
@@ -3447,7 +3459,8 @@
                             <a:srgbClr val="000000"/>
                           </a:solidFill>
                           <a:effectLst/>
-                          <a:latin typeface="宋体"/>
+                          <a:latin typeface="+mj-ea"/>
+                          <a:ea typeface="+mj-ea"/>
                         </a:rPr>
                         <a:t>5110379084</a:t>
                       </a:r>
@@ -3480,7 +3493,8 @@
                             <a:srgbClr val="000000"/>
                           </a:solidFill>
                           <a:effectLst/>
-                          <a:latin typeface="宋体"/>
+                          <a:latin typeface="+mj-ea"/>
+                          <a:ea typeface="+mj-ea"/>
                         </a:rPr>
                         <a:t>刘玺炜</a:t>
                       </a:r>
@@ -3519,7 +3533,7 @@
   <p:timing>
     <p:tnLst>
       <p:par>
-        <p:cTn xmlns:p14="http://schemas.microsoft.com/office/powerpoint/2010/main" id="1" dur="indefinite" restart="never" nodeType="tmRoot"/>
+        <p:cTn id="1" dur="indefinite" restart="never" nodeType="tmRoot"/>
       </p:par>
     </p:tnLst>
   </p:timing>
@@ -3598,14 +3612,7 @@
                 <a:latin typeface="微软雅黑" panose="020B0503020204020204" pitchFamily="34" charset="-122"/>
                 <a:ea typeface="微软雅黑" panose="020B0503020204020204" pitchFamily="34" charset="-122"/>
               </a:rPr>
-              <a:t>系统</a:t>
-            </a:r>
-            <a:r>
-              <a:rPr lang="zh-CN" altLang="en-US" dirty="0" smtClean="0">
-                <a:latin typeface="微软雅黑" panose="020B0503020204020204" pitchFamily="34" charset="-122"/>
-                <a:ea typeface="微软雅黑" panose="020B0503020204020204" pitchFamily="34" charset="-122"/>
-              </a:rPr>
-              <a:t>功能</a:t>
+              <a:t>系统功能</a:t>
             </a:r>
             <a:endParaRPr lang="zh-CN" altLang="en-US" dirty="0">
               <a:latin typeface="微软雅黑" panose="020B0503020204020204" pitchFamily="34" charset="-122"/>
@@ -3627,7 +3634,7 @@
   <p:timing>
     <p:tnLst>
       <p:par>
-        <p:cTn xmlns:p14="http://schemas.microsoft.com/office/powerpoint/2010/main" id="1" dur="indefinite" restart="never" nodeType="tmRoot"/>
+        <p:cTn id="1" dur="indefinite" restart="never" nodeType="tmRoot"/>
       </p:par>
     </p:tnLst>
   </p:timing>
@@ -3724,7 +3731,7 @@
   <p:timing>
     <p:tnLst>
       <p:par>
-        <p:cTn xmlns:p14="http://schemas.microsoft.com/office/powerpoint/2010/main" id="1" dur="indefinite" restart="never" nodeType="tmRoot"/>
+        <p:cTn id="1" dur="indefinite" restart="never" nodeType="tmRoot"/>
       </p:par>
     </p:tnLst>
   </p:timing>
@@ -3855,7 +3862,7 @@
   <p:timing>
     <p:tnLst>
       <p:par>
-        <p:cTn xmlns:p14="http://schemas.microsoft.com/office/powerpoint/2010/main" id="1" dur="indefinite" restart="never" nodeType="tmRoot"/>
+        <p:cTn id="1" dur="indefinite" restart="never" nodeType="tmRoot"/>
       </p:par>
     </p:tnLst>
   </p:timing>
@@ -3990,7 +3997,7 @@
   <p:timing>
     <p:tnLst>
       <p:par>
-        <p:cTn xmlns:p14="http://schemas.microsoft.com/office/powerpoint/2010/main" id="1" dur="indefinite" restart="never" nodeType="tmRoot"/>
+        <p:cTn id="1" dur="indefinite" restart="never" nodeType="tmRoot"/>
       </p:par>
     </p:tnLst>
   </p:timing>
@@ -4036,14 +4043,14 @@
           </a:ln>
           <a:extLst>
             <a:ext uri="{909E8E84-426E-40dd-AFC4-6F175D3DCCD1}">
-              <a14:hiddenFill xmlns:a14="http://schemas.microsoft.com/office/drawing/2010/main">
+              <a14:hiddenFill xmlns:a14="http://schemas.microsoft.com/office/drawing/2010/main" xmlns="">
                 <a:solidFill>
                   <a:srgbClr val="FFFFFF"/>
                 </a:solidFill>
               </a14:hiddenFill>
             </a:ext>
             <a:ext uri="{91240B29-F687-4f45-9708-019B960494DF}">
-              <a14:hiddenLine xmlns:a14="http://schemas.microsoft.com/office/drawing/2010/main" w="9525">
+              <a14:hiddenLine xmlns:a14="http://schemas.microsoft.com/office/drawing/2010/main" xmlns="" w="9525">
                 <a:solidFill>
                   <a:srgbClr val="000000"/>
                 </a:solidFill>
@@ -4096,7 +4103,7 @@
   <p:timing>
     <p:tnLst>
       <p:par>
-        <p:cTn xmlns:p14="http://schemas.microsoft.com/office/powerpoint/2010/main" id="1" dur="indefinite" restart="never" nodeType="tmRoot"/>
+        <p:cTn id="1" dur="indefinite" restart="never" nodeType="tmRoot"/>
       </p:par>
     </p:tnLst>
   </p:timing>
@@ -4142,14 +4149,14 @@
           </a:ln>
           <a:extLst>
             <a:ext uri="{909E8E84-426E-40dd-AFC4-6F175D3DCCD1}">
-              <a14:hiddenFill xmlns:a14="http://schemas.microsoft.com/office/drawing/2010/main">
+              <a14:hiddenFill xmlns:a14="http://schemas.microsoft.com/office/drawing/2010/main" xmlns="">
                 <a:solidFill>
                   <a:srgbClr val="FFFFFF"/>
                 </a:solidFill>
               </a14:hiddenFill>
             </a:ext>
             <a:ext uri="{91240B29-F687-4f45-9708-019B960494DF}">
-              <a14:hiddenLine xmlns:a14="http://schemas.microsoft.com/office/drawing/2010/main" w="9525">
+              <a14:hiddenLine xmlns:a14="http://schemas.microsoft.com/office/drawing/2010/main" xmlns="" w="9525">
                 <a:solidFill>
                   <a:srgbClr val="000000"/>
                 </a:solidFill>
@@ -4194,7 +4201,7 @@
   <p:timing>
     <p:tnLst>
       <p:par>
-        <p:cTn xmlns:p14="http://schemas.microsoft.com/office/powerpoint/2010/main" id="1" dur="indefinite" restart="never" nodeType="tmRoot"/>
+        <p:cTn id="1" dur="indefinite" restart="never" nodeType="tmRoot"/>
       </p:par>
     </p:tnLst>
   </p:timing>
@@ -4240,14 +4247,14 @@
           </a:ln>
           <a:extLst>
             <a:ext uri="{909E8E84-426E-40dd-AFC4-6F175D3DCCD1}">
-              <a14:hiddenFill xmlns:a14="http://schemas.microsoft.com/office/drawing/2010/main">
+              <a14:hiddenFill xmlns:a14="http://schemas.microsoft.com/office/drawing/2010/main" xmlns="">
                 <a:solidFill>
                   <a:srgbClr val="FFFFFF"/>
                 </a:solidFill>
               </a14:hiddenFill>
             </a:ext>
             <a:ext uri="{91240B29-F687-4f45-9708-019B960494DF}">
-              <a14:hiddenLine xmlns:a14="http://schemas.microsoft.com/office/drawing/2010/main" w="9525">
+              <a14:hiddenLine xmlns:a14="http://schemas.microsoft.com/office/drawing/2010/main" xmlns="" w="9525">
                 <a:solidFill>
                   <a:srgbClr val="000000"/>
                 </a:solidFill>
@@ -4300,7 +4307,7 @@
   <p:timing>
     <p:tnLst>
       <p:par>
-        <p:cTn xmlns:p14="http://schemas.microsoft.com/office/powerpoint/2010/main" id="1" dur="indefinite" restart="never" nodeType="tmRoot"/>
+        <p:cTn id="1" dur="indefinite" restart="never" nodeType="tmRoot"/>
       </p:par>
     </p:tnLst>
   </p:timing>
@@ -4562,7 +4569,7 @@
   <a:extraClrSchemeLst/>
   <a:extLst>
     <a:ext uri="{05A4C25C-085E-4340-85A3-A5531E510DB2}">
-      <thm15:themeFamily xmlns:thm15="http://schemas.microsoft.com/office/thememl/2012/main" xmlns="" name="Office Theme" id="{62F939B6-93AF-4DB8-9C6B-D6C7DFDC589F}" vid="{4A3C46E8-61CC-4603-A589-7422A47A8E4A}"/>
+      <thm15:themeFamily xmlns:thm15="http://schemas.microsoft.com/office/thememl/2012/main" name="Office Theme" id="{62F939B6-93AF-4DB8-9C6B-D6C7DFDC589F}" vid="{4A3C46E8-61CC-4603-A589-7422A47A8E4A}"/>
     </a:ext>
   </a:extLst>
 </a:theme>
